--- a/Seminar.pptx
+++ b/Seminar.pptx
@@ -4099,8 +4099,8 @@
         </p:nvSpPr>
         <p:spPr>
           <a:xfrm>
-            <a:off x="5187316" y="4508061"/>
-            <a:ext cx="1803400" cy="423545"/>
+            <a:off x="1496695" y="4507865"/>
+            <a:ext cx="8974455" cy="755650"/>
           </a:xfrm>
           <a:prstGeom prst="rect">
             <a:avLst/>
@@ -4130,6 +4130,44 @@
               <a:t>Zhaoyu Zhang</a:t>
             </a:r>
             <a:endParaRPr lang="en-GB" altLang="zh-CN" spc="120" dirty="0">
+              <a:solidFill>
+                <a:schemeClr val="bg1"/>
+              </a:solidFill>
+              <a:latin typeface="思源黑体 CN Normal" panose="020B0400000000000000" charset="-122"/>
+              <a:ea typeface="思源黑体 CN Normal" panose="020B0400000000000000" charset="-122"/>
+              <a:cs typeface="华文宋体" panose="02010600040101010101" charset="-122"/>
+            </a:endParaRPr>
+          </a:p>
+          <a:p>
+            <a:pPr algn="ctr">
+              <a:lnSpc>
+                <a:spcPct val="120000"/>
+              </a:lnSpc>
+            </a:pPr>
+            <a:r>
+              <a:rPr lang="en-US" altLang="en-GB" spc="120" dirty="0">
+                <a:solidFill>
+                  <a:schemeClr val="bg1"/>
+                </a:solidFill>
+                <a:latin typeface="思源黑体 CN Normal" panose="020B0400000000000000" charset="-122"/>
+                <a:ea typeface="思源黑体 CN Normal" panose="020B0400000000000000" charset="-122"/>
+                <a:cs typeface="华文宋体" panose="02010600040101010101" charset="-122"/>
+              </a:rPr>
+              <a:t>Github Link: </a:t>
+            </a:r>
+            <a:r>
+              <a:rPr lang="en-US" altLang="en-GB" spc="120" dirty="0">
+                <a:solidFill>
+                  <a:schemeClr val="bg1"/>
+                </a:solidFill>
+                <a:latin typeface="思源黑体 CN Normal" panose="020B0400000000000000" charset="-122"/>
+                <a:ea typeface="思源黑体 CN Normal" panose="020B0400000000000000" charset="-122"/>
+                <a:cs typeface="华文宋体" panose="02010600040101010101" charset="-122"/>
+                <a:hlinkClick r:id="rId5" tooltip="" action="ppaction://hlinkfile"/>
+              </a:rPr>
+              <a:t>https://github.com/Zhayu517/Software-Security-Seminar</a:t>
+            </a:r>
+            <a:endParaRPr lang="en-US" altLang="en-GB" spc="120" dirty="0">
               <a:solidFill>
                 <a:schemeClr val="bg1"/>
               </a:solidFill>

--- a/Seminar.pptx
+++ b/Seminar.pptx
@@ -4132,6 +4132,17 @@
               </a:rPr>
               <a:t>Zhaoyu Zhang</a:t>
             </a:r>
+            <a:r>
+              <a:rPr lang="en-US" altLang="en-GB" spc="120" dirty="0">
+                <a:solidFill>
+                  <a:schemeClr val="bg1"/>
+                </a:solidFill>
+                <a:latin typeface="思源黑体 CN Normal" panose="020B0400000000000000" charset="-122"/>
+                <a:ea typeface="思源黑体 CN Normal" panose="020B0400000000000000" charset="-122"/>
+                <a:cs typeface="华文宋体" panose="02010600040101010101" charset="-122"/>
+              </a:rPr>
+              <a:t> 10348535</a:t>
+            </a:r>
             <a:endParaRPr lang="en-GB" altLang="zh-CN" spc="120" dirty="0">
               <a:solidFill>
                 <a:schemeClr val="bg1"/>
@@ -40616,7 +40627,7 @@
 
 <file path=ppt/tags/tag3.xml><?xml version="1.0" encoding="utf-8"?>
 <p:tagLst xmlns:p="http://schemas.openxmlformats.org/presentationml/2006/main">
-  <p:tag name="COMMONDATA" val="eyJjb3VudCI6MjIwLCJoZGlkIjoiMzYwOWYyODgwMjdjM2MyMGYyNzQ5ZGUxYTFlOWMxNTkiLCJ1c2VyQ291bnQiOjIyMH0="/>
+  <p:tag name="COMMONDATA" val="eyJjb3VudCI6MjIxLCJoZGlkIjoiMzYwOWYyODgwMjdjM2MyMGYyNzQ5ZGUxYTFlOWMxNTkiLCJ1c2VyQ291bnQiOjIyMX0="/>
 </p:tagLst>
 </file>
 
